--- a/3-Gráficos.pptx
+++ b/3-Gráficos.pptx
@@ -8,6 +8,9 @@
     <p:sldId id="256" r:id="rId2"/>
     <p:sldId id="257" r:id="rId3"/>
     <p:sldId id="258" r:id="rId4"/>
+    <p:sldId id="259" r:id="rId5"/>
+    <p:sldId id="260" r:id="rId6"/>
+    <p:sldId id="261" r:id="rId7"/>
   </p:sldIdLst>
   <p:sldSz cx="12192000" cy="6858000"/>
   <p:notesSz cx="6858000" cy="9144000"/>
@@ -106,6 +109,11 @@
       </a:defRPr>
     </a:lvl9pPr>
   </p:defaultTextStyle>
+  <p:extLst>
+    <p:ext uri="{EFAFB233-063F-42B5-8137-9DF3F51BA10A}">
+      <p15:sldGuideLst xmlns:p15="http://schemas.microsoft.com/office/powerpoint/2012/main"/>
+    </p:ext>
+  </p:extLst>
 </p:presentation>
 </file>
 
@@ -5463,36 +5471,6 @@
           </a:p>
         </p:txBody>
       </p:sp>
-      <p:sp>
-        <p:nvSpPr>
-          <p:cNvPr id="3" name="Marcador de contenido 2">
-            <a:extLst>
-              <a:ext uri="{FF2B5EF4-FFF2-40B4-BE49-F238E27FC236}">
-                <a16:creationId xmlns:a16="http://schemas.microsoft.com/office/drawing/2014/main" id="{2383BB4C-B838-4653-AE22-9735E231C21D}"/>
-              </a:ext>
-            </a:extLst>
-          </p:cNvPr>
-          <p:cNvSpPr>
-            <a:spLocks noGrp="1"/>
-          </p:cNvSpPr>
-          <p:nvPr>
-            <p:ph idx="1"/>
-          </p:nvPr>
-        </p:nvSpPr>
-        <p:spPr>
-          <a:xfrm>
-            <a:off x="558706" y="2505635"/>
-            <a:ext cx="8534400" cy="3615267"/>
-          </a:xfrm>
-        </p:spPr>
-        <p:txBody>
-          <a:bodyPr/>
-          <a:lstStyle/>
-          <a:p>
-            <a:endParaRPr lang="es-ES" dirty="0"/>
-          </a:p>
-        </p:txBody>
-      </p:sp>
       <p:pic>
         <p:nvPicPr>
           <p:cNvPr id="5" name="Imagen 4">
@@ -5657,12 +5635,28 @@
             <p:ph type="title"/>
           </p:nvPr>
         </p:nvSpPr>
-        <p:spPr/>
+        <p:spPr>
+          <a:xfrm>
+            <a:off x="684212" y="354603"/>
+            <a:ext cx="8534400" cy="1507067"/>
+          </a:xfrm>
+        </p:spPr>
         <p:txBody>
           <a:bodyPr/>
           <a:lstStyle/>
           <a:p>
-            <a:endParaRPr lang="es-ES"/>
+            <a:r>
+              <a:rPr lang="es-ES" dirty="0"/>
+              <a:t>Personalización de </a:t>
+            </a:r>
+            <a:r>
+              <a:rPr lang="es-ES" dirty="0" err="1"/>
+              <a:t>graficos</a:t>
+            </a:r>
+            <a:r>
+              <a:rPr lang="es-ES" dirty="0"/>
+              <a:t> pt2</a:t>
+            </a:r>
           </a:p>
         </p:txBody>
       </p:sp>
@@ -5682,19 +5676,556 @@
             <p:ph idx="1"/>
           </p:nvPr>
         </p:nvSpPr>
-        <p:spPr/>
+        <p:spPr>
+          <a:xfrm>
+            <a:off x="684212" y="4996331"/>
+            <a:ext cx="9750706" cy="1054845"/>
+          </a:xfrm>
+        </p:spPr>
         <p:txBody>
           <a:bodyPr/>
           <a:lstStyle/>
           <a:p>
-            <a:endParaRPr lang="es-ES"/>
-          </a:p>
-        </p:txBody>
-      </p:sp>
+            <a:r>
+              <a:rPr lang="es-ES" dirty="0"/>
+              <a:t>Personalizamos el grafico entre los rangos que queramos</a:t>
+            </a:r>
+          </a:p>
+        </p:txBody>
+      </p:sp>
+      <p:pic>
+        <p:nvPicPr>
+          <p:cNvPr id="5" name="Imagen 4">
+            <a:extLst>
+              <a:ext uri="{FF2B5EF4-FFF2-40B4-BE49-F238E27FC236}">
+                <a16:creationId xmlns:a16="http://schemas.microsoft.com/office/drawing/2014/main" id="{F88A5F51-11A5-48D8-9964-9C3FDD9FD7A8}"/>
+              </a:ext>
+            </a:extLst>
+          </p:cNvPr>
+          <p:cNvPicPr>
+            <a:picLocks noChangeAspect="1"/>
+          </p:cNvPicPr>
+          <p:nvPr/>
+        </p:nvPicPr>
+        <p:blipFill>
+          <a:blip r:embed="rId2"/>
+          <a:stretch>
+            <a:fillRect/>
+          </a:stretch>
+        </p:blipFill>
+        <p:spPr>
+          <a:xfrm>
+            <a:off x="1491036" y="1861669"/>
+            <a:ext cx="2610214" cy="2524477"/>
+          </a:xfrm>
+          <a:prstGeom prst="rect">
+            <a:avLst/>
+          </a:prstGeom>
+        </p:spPr>
+      </p:pic>
+      <p:pic>
+        <p:nvPicPr>
+          <p:cNvPr id="7" name="Imagen 6">
+            <a:extLst>
+              <a:ext uri="{FF2B5EF4-FFF2-40B4-BE49-F238E27FC236}">
+                <a16:creationId xmlns:a16="http://schemas.microsoft.com/office/drawing/2014/main" id="{3FC1FE3A-1F44-4C7A-9B42-A66B02828DFF}"/>
+              </a:ext>
+            </a:extLst>
+          </p:cNvPr>
+          <p:cNvPicPr>
+            <a:picLocks noChangeAspect="1"/>
+          </p:cNvPicPr>
+          <p:nvPr/>
+        </p:nvPicPr>
+        <p:blipFill>
+          <a:blip r:embed="rId3"/>
+          <a:stretch>
+            <a:fillRect/>
+          </a:stretch>
+        </p:blipFill>
+        <p:spPr>
+          <a:xfrm>
+            <a:off x="4764638" y="1682667"/>
+            <a:ext cx="4898876" cy="2983913"/>
+          </a:xfrm>
+          <a:prstGeom prst="rect">
+            <a:avLst/>
+          </a:prstGeom>
+        </p:spPr>
+      </p:pic>
     </p:spTree>
     <p:extLst>
       <p:ext uri="{BB962C8B-B14F-4D97-AF65-F5344CB8AC3E}">
         <p14:creationId xmlns:p14="http://schemas.microsoft.com/office/powerpoint/2010/main" val="985157252"/>
+      </p:ext>
+    </p:extLst>
+  </p:cSld>
+  <p:clrMapOvr>
+    <a:masterClrMapping/>
+  </p:clrMapOvr>
+</p:sld>
+</file>
+
+<file path=ppt/slides/slide4.xml><?xml version="1.0" encoding="utf-8"?>
+<p:sld xmlns:a="http://schemas.openxmlformats.org/drawingml/2006/main" xmlns:r="http://schemas.openxmlformats.org/officeDocument/2006/relationships" xmlns:p="http://schemas.openxmlformats.org/presentationml/2006/main">
+  <p:cSld>
+    <p:spTree>
+      <p:nvGrpSpPr>
+        <p:cNvPr id="1" name=""/>
+        <p:cNvGrpSpPr/>
+        <p:nvPr/>
+      </p:nvGrpSpPr>
+      <p:grpSpPr>
+        <a:xfrm>
+          <a:off x="0" y="0"/>
+          <a:ext cx="0" cy="0"/>
+          <a:chOff x="0" y="0"/>
+          <a:chExt cx="0" cy="0"/>
+        </a:xfrm>
+      </p:grpSpPr>
+      <p:sp>
+        <p:nvSpPr>
+          <p:cNvPr id="2" name="Título 1">
+            <a:extLst>
+              <a:ext uri="{FF2B5EF4-FFF2-40B4-BE49-F238E27FC236}">
+                <a16:creationId xmlns:a16="http://schemas.microsoft.com/office/drawing/2014/main" id="{E393EAEA-EDBC-4E97-B699-DC69CB931707}"/>
+              </a:ext>
+            </a:extLst>
+          </p:cNvPr>
+          <p:cNvSpPr>
+            <a:spLocks noGrp="1"/>
+          </p:cNvSpPr>
+          <p:nvPr>
+            <p:ph type="title"/>
+          </p:nvPr>
+        </p:nvSpPr>
+        <p:spPr>
+          <a:xfrm>
+            <a:off x="603530" y="300814"/>
+            <a:ext cx="8534400" cy="1507067"/>
+          </a:xfrm>
+        </p:spPr>
+        <p:txBody>
+          <a:bodyPr/>
+          <a:lstStyle/>
+          <a:p>
+            <a:r>
+              <a:rPr lang="es-ES" dirty="0"/>
+              <a:t>Grafica de funciones</a:t>
+            </a:r>
+          </a:p>
+        </p:txBody>
+      </p:sp>
+      <p:sp>
+        <p:nvSpPr>
+          <p:cNvPr id="3" name="Marcador de contenido 2">
+            <a:extLst>
+              <a:ext uri="{FF2B5EF4-FFF2-40B4-BE49-F238E27FC236}">
+                <a16:creationId xmlns:a16="http://schemas.microsoft.com/office/drawing/2014/main" id="{495FAAD3-0D9F-4084-8E8B-123618F5A908}"/>
+              </a:ext>
+            </a:extLst>
+          </p:cNvPr>
+          <p:cNvSpPr>
+            <a:spLocks noGrp="1"/>
+          </p:cNvSpPr>
+          <p:nvPr>
+            <p:ph idx="1"/>
+          </p:nvPr>
+        </p:nvSpPr>
+        <p:spPr>
+          <a:xfrm>
+            <a:off x="684212" y="3429000"/>
+            <a:ext cx="4085012" cy="3128185"/>
+          </a:xfrm>
+        </p:spPr>
+        <p:txBody>
+          <a:bodyPr/>
+          <a:lstStyle/>
+          <a:p>
+            <a:r>
+              <a:rPr lang="es-ES" dirty="0"/>
+              <a:t>Cambiamos la grafica y agregamos línea(</a:t>
+            </a:r>
+            <a:r>
+              <a:rPr lang="es-ES" dirty="0" err="1"/>
+              <a:t>x,x</a:t>
+            </a:r>
+            <a:r>
+              <a:rPr lang="es-ES" dirty="0"/>
+              <a:t>) para observar la tendencia.</a:t>
+            </a:r>
+          </a:p>
+        </p:txBody>
+      </p:sp>
+      <p:pic>
+        <p:nvPicPr>
+          <p:cNvPr id="5" name="Imagen 4">
+            <a:extLst>
+              <a:ext uri="{FF2B5EF4-FFF2-40B4-BE49-F238E27FC236}">
+                <a16:creationId xmlns:a16="http://schemas.microsoft.com/office/drawing/2014/main" id="{FB6659C1-698D-43D8-82CC-2205A81CE7B6}"/>
+              </a:ext>
+            </a:extLst>
+          </p:cNvPr>
+          <p:cNvPicPr>
+            <a:picLocks noChangeAspect="1"/>
+          </p:cNvPicPr>
+          <p:nvPr/>
+        </p:nvPicPr>
+        <p:blipFill>
+          <a:blip r:embed="rId2"/>
+          <a:stretch>
+            <a:fillRect/>
+          </a:stretch>
+        </p:blipFill>
+        <p:spPr>
+          <a:xfrm>
+            <a:off x="1794307" y="1400977"/>
+            <a:ext cx="2257740" cy="1267002"/>
+          </a:xfrm>
+          <a:prstGeom prst="rect">
+            <a:avLst/>
+          </a:prstGeom>
+        </p:spPr>
+      </p:pic>
+      <p:pic>
+        <p:nvPicPr>
+          <p:cNvPr id="7" name="Imagen 6">
+            <a:extLst>
+              <a:ext uri="{FF2B5EF4-FFF2-40B4-BE49-F238E27FC236}">
+                <a16:creationId xmlns:a16="http://schemas.microsoft.com/office/drawing/2014/main" id="{50753B61-5D57-4BEB-8D5A-73D8D57ED813}"/>
+              </a:ext>
+            </a:extLst>
+          </p:cNvPr>
+          <p:cNvPicPr>
+            <a:picLocks noChangeAspect="1"/>
+          </p:cNvPicPr>
+          <p:nvPr/>
+        </p:nvPicPr>
+        <p:blipFill>
+          <a:blip r:embed="rId3"/>
+          <a:stretch>
+            <a:fillRect/>
+          </a:stretch>
+        </p:blipFill>
+        <p:spPr>
+          <a:xfrm>
+            <a:off x="5005100" y="1400977"/>
+            <a:ext cx="4999511" cy="2828362"/>
+          </a:xfrm>
+          <a:prstGeom prst="rect">
+            <a:avLst/>
+          </a:prstGeom>
+        </p:spPr>
+      </p:pic>
+    </p:spTree>
+    <p:extLst>
+      <p:ext uri="{BB962C8B-B14F-4D97-AF65-F5344CB8AC3E}">
+        <p14:creationId xmlns:p14="http://schemas.microsoft.com/office/powerpoint/2010/main" val="4237920696"/>
+      </p:ext>
+    </p:extLst>
+  </p:cSld>
+  <p:clrMapOvr>
+    <a:masterClrMapping/>
+  </p:clrMapOvr>
+</p:sld>
+</file>
+
+<file path=ppt/slides/slide5.xml><?xml version="1.0" encoding="utf-8"?>
+<p:sld xmlns:a="http://schemas.openxmlformats.org/drawingml/2006/main" xmlns:r="http://schemas.openxmlformats.org/officeDocument/2006/relationships" xmlns:p="http://schemas.openxmlformats.org/presentationml/2006/main">
+  <p:cSld>
+    <p:spTree>
+      <p:nvGrpSpPr>
+        <p:cNvPr id="1" name=""/>
+        <p:cNvGrpSpPr/>
+        <p:nvPr/>
+      </p:nvGrpSpPr>
+      <p:grpSpPr>
+        <a:xfrm>
+          <a:off x="0" y="0"/>
+          <a:ext cx="0" cy="0"/>
+          <a:chOff x="0" y="0"/>
+          <a:chExt cx="0" cy="0"/>
+        </a:xfrm>
+      </p:grpSpPr>
+      <p:sp>
+        <p:nvSpPr>
+          <p:cNvPr id="2" name="Título 1">
+            <a:extLst>
+              <a:ext uri="{FF2B5EF4-FFF2-40B4-BE49-F238E27FC236}">
+                <a16:creationId xmlns:a16="http://schemas.microsoft.com/office/drawing/2014/main" id="{FB4092E8-20C7-4B32-84C5-8C425412C159}"/>
+              </a:ext>
+            </a:extLst>
+          </p:cNvPr>
+          <p:cNvSpPr>
+            <a:spLocks noGrp="1"/>
+          </p:cNvSpPr>
+          <p:nvPr>
+            <p:ph type="title"/>
+          </p:nvPr>
+        </p:nvSpPr>
+        <p:spPr>
+          <a:xfrm>
+            <a:off x="1060730" y="435285"/>
+            <a:ext cx="8534400" cy="1507067"/>
+          </a:xfrm>
+        </p:spPr>
+        <p:txBody>
+          <a:bodyPr/>
+          <a:lstStyle/>
+          <a:p>
+            <a:r>
+              <a:rPr lang="es-ES" dirty="0"/>
+              <a:t>BARPLOTS</a:t>
+            </a:r>
+          </a:p>
+        </p:txBody>
+      </p:sp>
+      <p:pic>
+        <p:nvPicPr>
+          <p:cNvPr id="5" name="Imagen 4">
+            <a:extLst>
+              <a:ext uri="{FF2B5EF4-FFF2-40B4-BE49-F238E27FC236}">
+                <a16:creationId xmlns:a16="http://schemas.microsoft.com/office/drawing/2014/main" id="{6C7D178A-46A6-4151-AC34-6FAF99D53560}"/>
+              </a:ext>
+            </a:extLst>
+          </p:cNvPr>
+          <p:cNvPicPr>
+            <a:picLocks noChangeAspect="1"/>
+          </p:cNvPicPr>
+          <p:nvPr/>
+        </p:nvPicPr>
+        <p:blipFill>
+          <a:blip r:embed="rId2"/>
+          <a:stretch>
+            <a:fillRect/>
+          </a:stretch>
+        </p:blipFill>
+        <p:spPr>
+          <a:xfrm>
+            <a:off x="829736" y="1942352"/>
+            <a:ext cx="3534268" cy="1448002"/>
+          </a:xfrm>
+          <a:prstGeom prst="rect">
+            <a:avLst/>
+          </a:prstGeom>
+        </p:spPr>
+      </p:pic>
+      <p:pic>
+        <p:nvPicPr>
+          <p:cNvPr id="7" name="Imagen 6">
+            <a:extLst>
+              <a:ext uri="{FF2B5EF4-FFF2-40B4-BE49-F238E27FC236}">
+                <a16:creationId xmlns:a16="http://schemas.microsoft.com/office/drawing/2014/main" id="{7F252342-E0E4-4CE5-9916-E4EC8A6BF62F}"/>
+              </a:ext>
+            </a:extLst>
+          </p:cNvPr>
+          <p:cNvPicPr>
+            <a:picLocks noChangeAspect="1"/>
+          </p:cNvPicPr>
+          <p:nvPr/>
+        </p:nvPicPr>
+        <p:blipFill>
+          <a:blip r:embed="rId3"/>
+          <a:stretch>
+            <a:fillRect/>
+          </a:stretch>
+        </p:blipFill>
+        <p:spPr>
+          <a:xfrm>
+            <a:off x="4501729" y="1942352"/>
+            <a:ext cx="6135842" cy="3707833"/>
+          </a:xfrm>
+          <a:prstGeom prst="rect">
+            <a:avLst/>
+          </a:prstGeom>
+        </p:spPr>
+      </p:pic>
+    </p:spTree>
+    <p:extLst>
+      <p:ext uri="{BB962C8B-B14F-4D97-AF65-F5344CB8AC3E}">
+        <p14:creationId xmlns:p14="http://schemas.microsoft.com/office/powerpoint/2010/main" val="374484618"/>
+      </p:ext>
+    </p:extLst>
+  </p:cSld>
+  <p:clrMapOvr>
+    <a:masterClrMapping/>
+  </p:clrMapOvr>
+</p:sld>
+</file>
+
+<file path=ppt/slides/slide6.xml><?xml version="1.0" encoding="utf-8"?>
+<p:sld xmlns:a="http://schemas.openxmlformats.org/drawingml/2006/main" xmlns:r="http://schemas.openxmlformats.org/officeDocument/2006/relationships" xmlns:p="http://schemas.openxmlformats.org/presentationml/2006/main">
+  <p:cSld>
+    <p:spTree>
+      <p:nvGrpSpPr>
+        <p:cNvPr id="1" name=""/>
+        <p:cNvGrpSpPr/>
+        <p:nvPr/>
+      </p:nvGrpSpPr>
+      <p:grpSpPr>
+        <a:xfrm>
+          <a:off x="0" y="0"/>
+          <a:ext cx="0" cy="0"/>
+          <a:chOff x="0" y="0"/>
+          <a:chExt cx="0" cy="0"/>
+        </a:xfrm>
+      </p:grpSpPr>
+      <p:sp>
+        <p:nvSpPr>
+          <p:cNvPr id="2" name="Título 1">
+            <a:extLst>
+              <a:ext uri="{FF2B5EF4-FFF2-40B4-BE49-F238E27FC236}">
+                <a16:creationId xmlns:a16="http://schemas.microsoft.com/office/drawing/2014/main" id="{DE3919DC-3683-48AE-A4ED-5D9CF677F919}"/>
+              </a:ext>
+            </a:extLst>
+          </p:cNvPr>
+          <p:cNvSpPr>
+            <a:spLocks noGrp="1"/>
+          </p:cNvSpPr>
+          <p:nvPr>
+            <p:ph type="title"/>
+          </p:nvPr>
+        </p:nvSpPr>
+        <p:spPr>
+          <a:xfrm>
+            <a:off x="684212" y="685800"/>
+            <a:ext cx="8534400" cy="1507067"/>
+          </a:xfrm>
+        </p:spPr>
+        <p:txBody>
+          <a:bodyPr/>
+          <a:lstStyle/>
+          <a:p>
+            <a:r>
+              <a:rPr lang="es-ES" dirty="0"/>
+              <a:t>Histograma y diagrama de cajas</a:t>
+            </a:r>
+          </a:p>
+        </p:txBody>
+      </p:sp>
+      <p:pic>
+        <p:nvPicPr>
+          <p:cNvPr id="5" name="Imagen 4">
+            <a:extLst>
+              <a:ext uri="{FF2B5EF4-FFF2-40B4-BE49-F238E27FC236}">
+                <a16:creationId xmlns:a16="http://schemas.microsoft.com/office/drawing/2014/main" id="{F1015731-47E9-446F-96A9-773C12C3C380}"/>
+              </a:ext>
+            </a:extLst>
+          </p:cNvPr>
+          <p:cNvPicPr>
+            <a:picLocks noChangeAspect="1"/>
+          </p:cNvPicPr>
+          <p:nvPr/>
+        </p:nvPicPr>
+        <p:blipFill rotWithShape="1">
+          <a:blip r:embed="rId2"/>
+          <a:srcRect t="69776"/>
+          <a:stretch/>
+        </p:blipFill>
+        <p:spPr>
+          <a:xfrm>
+            <a:off x="1078292" y="2844261"/>
+            <a:ext cx="2724530" cy="198669"/>
+          </a:xfrm>
+          <a:prstGeom prst="rect">
+            <a:avLst/>
+          </a:prstGeom>
+        </p:spPr>
+      </p:pic>
+      <p:pic>
+        <p:nvPicPr>
+          <p:cNvPr id="7" name="Imagen 6">
+            <a:extLst>
+              <a:ext uri="{FF2B5EF4-FFF2-40B4-BE49-F238E27FC236}">
+                <a16:creationId xmlns:a16="http://schemas.microsoft.com/office/drawing/2014/main" id="{D0EA5448-074C-4DF3-882E-C48B8C2D119A}"/>
+              </a:ext>
+            </a:extLst>
+          </p:cNvPr>
+          <p:cNvPicPr>
+            <a:picLocks noChangeAspect="1"/>
+          </p:cNvPicPr>
+          <p:nvPr/>
+        </p:nvPicPr>
+        <p:blipFill>
+          <a:blip r:embed="rId3"/>
+          <a:stretch>
+            <a:fillRect/>
+          </a:stretch>
+        </p:blipFill>
+        <p:spPr>
+          <a:xfrm>
+            <a:off x="354831" y="3237210"/>
+            <a:ext cx="4432321" cy="2859057"/>
+          </a:xfrm>
+          <a:prstGeom prst="rect">
+            <a:avLst/>
+          </a:prstGeom>
+        </p:spPr>
+      </p:pic>
+      <p:pic>
+        <p:nvPicPr>
+          <p:cNvPr id="9" name="Imagen 8">
+            <a:extLst>
+              <a:ext uri="{FF2B5EF4-FFF2-40B4-BE49-F238E27FC236}">
+                <a16:creationId xmlns:a16="http://schemas.microsoft.com/office/drawing/2014/main" id="{9AD6E8EA-B1B2-487F-B418-E6C1E9A70671}"/>
+              </a:ext>
+            </a:extLst>
+          </p:cNvPr>
+          <p:cNvPicPr>
+            <a:picLocks noChangeAspect="1"/>
+          </p:cNvPicPr>
+          <p:nvPr/>
+        </p:nvPicPr>
+        <p:blipFill>
+          <a:blip r:embed="rId4"/>
+          <a:stretch>
+            <a:fillRect/>
+          </a:stretch>
+        </p:blipFill>
+        <p:spPr>
+          <a:xfrm>
+            <a:off x="6531546" y="2726970"/>
+            <a:ext cx="1857634" cy="323895"/>
+          </a:xfrm>
+          <a:prstGeom prst="rect">
+            <a:avLst/>
+          </a:prstGeom>
+        </p:spPr>
+      </p:pic>
+      <p:pic>
+        <p:nvPicPr>
+          <p:cNvPr id="11" name="Imagen 10">
+            <a:extLst>
+              <a:ext uri="{FF2B5EF4-FFF2-40B4-BE49-F238E27FC236}">
+                <a16:creationId xmlns:a16="http://schemas.microsoft.com/office/drawing/2014/main" id="{DFDF7D0E-A3F9-446E-9C0C-3A1827D253FF}"/>
+              </a:ext>
+            </a:extLst>
+          </p:cNvPr>
+          <p:cNvPicPr>
+            <a:picLocks noChangeAspect="1"/>
+          </p:cNvPicPr>
+          <p:nvPr/>
+        </p:nvPicPr>
+        <p:blipFill>
+          <a:blip r:embed="rId5"/>
+          <a:stretch>
+            <a:fillRect/>
+          </a:stretch>
+        </p:blipFill>
+        <p:spPr>
+          <a:xfrm>
+            <a:off x="5484753" y="3237210"/>
+            <a:ext cx="5220754" cy="2855848"/>
+          </a:xfrm>
+          <a:prstGeom prst="rect">
+            <a:avLst/>
+          </a:prstGeom>
+        </p:spPr>
+      </p:pic>
+    </p:spTree>
+    <p:extLst>
+      <p:ext uri="{BB962C8B-B14F-4D97-AF65-F5344CB8AC3E}">
+        <p14:creationId xmlns:p14="http://schemas.microsoft.com/office/powerpoint/2010/main" val="3123954852"/>
       </p:ext>
     </p:extLst>
   </p:cSld>
